--- a/Documents/7 그래프.pptx
+++ b/Documents/7 그래프.pptx
@@ -268,7 +268,7 @@
           <a:p>
             <a:fld id="{65A9B928-B926-4726-B925-8AA4FF17755D}" type="datetimeFigureOut">
               <a:rPr lang="ko-KR" altLang="en-US" smtClean="0"/>
-              <a:t>2025-09-30</a:t>
+              <a:t>2025-10-01</a:t>
             </a:fld>
             <a:endParaRPr lang="ko-KR" altLang="en-US"/>
           </a:p>
@@ -466,7 +466,7 @@
           <a:p>
             <a:fld id="{65A9B928-B926-4726-B925-8AA4FF17755D}" type="datetimeFigureOut">
               <a:rPr lang="ko-KR" altLang="en-US" smtClean="0"/>
-              <a:t>2025-09-30</a:t>
+              <a:t>2025-10-01</a:t>
             </a:fld>
             <a:endParaRPr lang="ko-KR" altLang="en-US"/>
           </a:p>
@@ -674,7 +674,7 @@
           <a:p>
             <a:fld id="{65A9B928-B926-4726-B925-8AA4FF17755D}" type="datetimeFigureOut">
               <a:rPr lang="ko-KR" altLang="en-US" smtClean="0"/>
-              <a:t>2025-09-30</a:t>
+              <a:t>2025-10-01</a:t>
             </a:fld>
             <a:endParaRPr lang="ko-KR" altLang="en-US"/>
           </a:p>
@@ -872,7 +872,7 @@
           <a:p>
             <a:fld id="{65A9B928-B926-4726-B925-8AA4FF17755D}" type="datetimeFigureOut">
               <a:rPr lang="ko-KR" altLang="en-US" smtClean="0"/>
-              <a:t>2025-09-30</a:t>
+              <a:t>2025-10-01</a:t>
             </a:fld>
             <a:endParaRPr lang="ko-KR" altLang="en-US"/>
           </a:p>
@@ -1147,7 +1147,7 @@
           <a:p>
             <a:fld id="{65A9B928-B926-4726-B925-8AA4FF17755D}" type="datetimeFigureOut">
               <a:rPr lang="ko-KR" altLang="en-US" smtClean="0"/>
-              <a:t>2025-09-30</a:t>
+              <a:t>2025-10-01</a:t>
             </a:fld>
             <a:endParaRPr lang="ko-KR" altLang="en-US"/>
           </a:p>
@@ -1412,7 +1412,7 @@
           <a:p>
             <a:fld id="{65A9B928-B926-4726-B925-8AA4FF17755D}" type="datetimeFigureOut">
               <a:rPr lang="ko-KR" altLang="en-US" smtClean="0"/>
-              <a:t>2025-09-30</a:t>
+              <a:t>2025-10-01</a:t>
             </a:fld>
             <a:endParaRPr lang="ko-KR" altLang="en-US"/>
           </a:p>
@@ -1824,7 +1824,7 @@
           <a:p>
             <a:fld id="{65A9B928-B926-4726-B925-8AA4FF17755D}" type="datetimeFigureOut">
               <a:rPr lang="ko-KR" altLang="en-US" smtClean="0"/>
-              <a:t>2025-09-30</a:t>
+              <a:t>2025-10-01</a:t>
             </a:fld>
             <a:endParaRPr lang="ko-KR" altLang="en-US"/>
           </a:p>
@@ -1965,7 +1965,7 @@
           <a:p>
             <a:fld id="{65A9B928-B926-4726-B925-8AA4FF17755D}" type="datetimeFigureOut">
               <a:rPr lang="ko-KR" altLang="en-US" smtClean="0"/>
-              <a:t>2025-09-30</a:t>
+              <a:t>2025-10-01</a:t>
             </a:fld>
             <a:endParaRPr lang="ko-KR" altLang="en-US"/>
           </a:p>
@@ -2078,7 +2078,7 @@
           <a:p>
             <a:fld id="{65A9B928-B926-4726-B925-8AA4FF17755D}" type="datetimeFigureOut">
               <a:rPr lang="ko-KR" altLang="en-US" smtClean="0"/>
-              <a:t>2025-09-30</a:t>
+              <a:t>2025-10-01</a:t>
             </a:fld>
             <a:endParaRPr lang="ko-KR" altLang="en-US"/>
           </a:p>
@@ -2389,7 +2389,7 @@
           <a:p>
             <a:fld id="{65A9B928-B926-4726-B925-8AA4FF17755D}" type="datetimeFigureOut">
               <a:rPr lang="ko-KR" altLang="en-US" smtClean="0"/>
-              <a:t>2025-09-30</a:t>
+              <a:t>2025-10-01</a:t>
             </a:fld>
             <a:endParaRPr lang="ko-KR" altLang="en-US"/>
           </a:p>
@@ -2677,7 +2677,7 @@
           <a:p>
             <a:fld id="{65A9B928-B926-4726-B925-8AA4FF17755D}" type="datetimeFigureOut">
               <a:rPr lang="ko-KR" altLang="en-US" smtClean="0"/>
-              <a:t>2025-09-30</a:t>
+              <a:t>2025-10-01</a:t>
             </a:fld>
             <a:endParaRPr lang="ko-KR" altLang="en-US"/>
           </a:p>
@@ -2918,7 +2918,7 @@
           <a:p>
             <a:fld id="{65A9B928-B926-4726-B925-8AA4FF17755D}" type="datetimeFigureOut">
               <a:rPr lang="ko-KR" altLang="en-US" smtClean="0"/>
-              <a:t>2025-09-30</a:t>
+              <a:t>2025-10-01</a:t>
             </a:fld>
             <a:endParaRPr lang="ko-KR" altLang="en-US"/>
           </a:p>
@@ -3464,7 +3464,7 @@
         <p:spPr>
           <a:xfrm>
             <a:off x="600075" y="1635919"/>
-            <a:ext cx="4421788" cy="1754326"/>
+            <a:ext cx="4749698" cy="4678204"/>
           </a:xfrm>
           <a:prstGeom prst="rect">
             <a:avLst/>
@@ -3478,50 +3478,191 @@
           <a:lstStyle/>
           <a:p>
             <a:r>
-              <a:rPr lang="ko-KR" altLang="en-US" dirty="0" err="1"/>
-              <a:t>퀵</a:t>
-            </a:r>
-            <a:r>
-              <a:rPr lang="ko-KR" altLang="en-US" dirty="0"/>
-              <a:t> 정렬</a:t>
-            </a:r>
-            <a:endParaRPr lang="en-US" altLang="ko-KR" dirty="0"/>
-          </a:p>
-          <a:p>
-            <a:r>
-              <a:rPr lang="en-US" altLang="ko-KR" dirty="0">
-                <a:hlinkClick r:id="rId2"/>
-              </a:rPr>
-              <a:t>https://www.acmicpc.net/problem/11004</a:t>
-            </a:r>
-            <a:endParaRPr lang="en-US" altLang="ko-KR" dirty="0"/>
-          </a:p>
-          <a:p>
-            <a:endParaRPr lang="en-US" altLang="ko-KR" dirty="0"/>
-          </a:p>
-          <a:p>
-            <a:endParaRPr lang="en-US" altLang="ko-KR" dirty="0"/>
-          </a:p>
-          <a:p>
-            <a:r>
-              <a:rPr lang="ko-KR" altLang="en-US" dirty="0" err="1"/>
-              <a:t>병합정렬</a:t>
-            </a:r>
-            <a:endParaRPr lang="en-US" altLang="ko-KR" dirty="0"/>
-          </a:p>
-          <a:p>
-            <a:r>
-              <a:rPr lang="en-US" altLang="ko-KR" dirty="0">
-                <a:hlinkClick r:id="rId3"/>
-              </a:rPr>
-              <a:t>https://www.acmicpc.net/problem</a:t>
-            </a:r>
-            <a:r>
-              <a:rPr lang="en-US" altLang="ko-KR">
-                <a:hlinkClick r:id="rId3"/>
-              </a:rPr>
-              <a:t>/2751</a:t>
-            </a:r>
+              <a:rPr lang="ko-KR" altLang="en-US" sz="1400" dirty="0"/>
+              <a:t>그래프 기본 확인 </a:t>
+            </a:r>
+            <a:r>
+              <a:rPr lang="en-US" altLang="ko-KR" sz="1400" dirty="0"/>
+              <a:t>- </a:t>
+            </a:r>
+            <a:r>
+              <a:rPr lang="ko-KR" altLang="en-US" sz="1400" dirty="0" err="1"/>
+              <a:t>무방향</a:t>
+            </a:r>
+            <a:r>
+              <a:rPr lang="ko-KR" altLang="en-US" sz="1400" dirty="0"/>
+              <a:t> 그래프 </a:t>
+            </a:r>
+            <a:r>
+              <a:rPr lang="en-US" altLang="ko-KR" sz="1400" dirty="0"/>
+              <a:t>DFS,BFS </a:t>
+            </a:r>
+            <a:r>
+              <a:rPr lang="ko-KR" altLang="en-US" sz="1400" dirty="0"/>
+              <a:t>구분출력하기</a:t>
+            </a:r>
+          </a:p>
+          <a:p>
+            <a:r>
+              <a:rPr lang="en-US" altLang="ko-KR" sz="1400" dirty="0"/>
+              <a:t>https://www.acmicpc.net/problem/1260</a:t>
+            </a:r>
+          </a:p>
+          <a:p>
+            <a:endParaRPr lang="en-US" altLang="ko-KR" sz="1400" dirty="0"/>
+          </a:p>
+          <a:p>
+            <a:r>
+              <a:rPr lang="ko-KR" altLang="en-US" sz="1400" dirty="0" err="1"/>
+              <a:t>위상정렬</a:t>
+            </a:r>
+            <a:r>
+              <a:rPr lang="ko-KR" altLang="en-US" sz="1400" dirty="0"/>
+              <a:t> </a:t>
+            </a:r>
+          </a:p>
+          <a:p>
+            <a:r>
+              <a:rPr lang="en-US" altLang="ko-KR" sz="1400" dirty="0"/>
+              <a:t>https://www.acmicpc.net/problem/2252</a:t>
+            </a:r>
+          </a:p>
+          <a:p>
+            <a:endParaRPr lang="en-US" altLang="ko-KR" sz="1400" dirty="0"/>
+          </a:p>
+          <a:p>
+            <a:r>
+              <a:rPr lang="ko-KR" altLang="en-US" sz="1400" dirty="0"/>
+              <a:t>간선 목록으로 해결이 유리한 </a:t>
+            </a:r>
+            <a:r>
+              <a:rPr lang="ko-KR" altLang="en-US" sz="1400" dirty="0" err="1"/>
+              <a:t>최소스패닝</a:t>
+            </a:r>
+            <a:r>
+              <a:rPr lang="ko-KR" altLang="en-US" sz="1400" dirty="0"/>
+              <a:t> 트리 </a:t>
+            </a:r>
+          </a:p>
+          <a:p>
+            <a:r>
+              <a:rPr lang="en-US" altLang="ko-KR" sz="1400" dirty="0"/>
+              <a:t>https://www.acmicpc.net/problem/1197</a:t>
+            </a:r>
+          </a:p>
+          <a:p>
+            <a:endParaRPr lang="en-US" altLang="ko-KR" sz="1400" dirty="0"/>
+          </a:p>
+          <a:p>
+            <a:r>
+              <a:rPr lang="ko-KR" altLang="en-US" sz="1400" dirty="0"/>
+              <a:t>간선 목록의 가중치 기반 정렬이 필요한 문제 </a:t>
+            </a:r>
+          </a:p>
+          <a:p>
+            <a:r>
+              <a:rPr lang="en-US" altLang="ko-KR" sz="1400" dirty="0"/>
+              <a:t>https://www.acmicpc.net/problem/6497</a:t>
+            </a:r>
+          </a:p>
+          <a:p>
+            <a:endParaRPr lang="en-US" altLang="ko-KR" sz="1400" dirty="0"/>
+          </a:p>
+          <a:p>
+            <a:r>
+              <a:rPr lang="ko-KR" altLang="en-US" sz="1400" dirty="0"/>
+              <a:t>인접 행렬을 </a:t>
+            </a:r>
+            <a:r>
+              <a:rPr lang="ko-KR" altLang="en-US" sz="1400" dirty="0" err="1"/>
+              <a:t>사용할때</a:t>
+            </a:r>
+            <a:r>
+              <a:rPr lang="ko-KR" altLang="en-US" sz="1400" dirty="0"/>
+              <a:t> 유리한 문제</a:t>
+            </a:r>
+          </a:p>
+          <a:p>
+            <a:r>
+              <a:rPr lang="en-US" altLang="ko-KR" sz="1400" dirty="0"/>
+              <a:t>https://www.acmicpc.net/problem/11404</a:t>
+            </a:r>
+          </a:p>
+          <a:p>
+            <a:endParaRPr lang="en-US" altLang="ko-KR" sz="1400" dirty="0"/>
+          </a:p>
+          <a:p>
+            <a:r>
+              <a:rPr lang="ko-KR" altLang="en-US" sz="1400" dirty="0"/>
+              <a:t>인접리스트 </a:t>
+            </a:r>
+            <a:r>
+              <a:rPr lang="en-US" altLang="ko-KR" sz="1400" dirty="0"/>
+              <a:t>- </a:t>
+            </a:r>
+            <a:r>
+              <a:rPr lang="ko-KR" altLang="en-US" sz="1400" dirty="0"/>
+              <a:t>특정 거리의 도시 찾기 </a:t>
+            </a:r>
+            <a:r>
+              <a:rPr lang="en-US" altLang="ko-KR" sz="1400" dirty="0"/>
+              <a:t>(BFS, N=300,000)</a:t>
+            </a:r>
+          </a:p>
+          <a:p>
+            <a:r>
+              <a:rPr lang="en-US" altLang="ko-KR" sz="1400" dirty="0"/>
+              <a:t>https://www.acmicpc.net/problem/18352 </a:t>
+            </a:r>
+          </a:p>
+          <a:p>
+            <a:endParaRPr lang="en-US" altLang="ko-KR" sz="1400" dirty="0"/>
+          </a:p>
+          <a:p>
+            <a:r>
+              <a:rPr lang="ko-KR" altLang="en-US" sz="1400" dirty="0"/>
+              <a:t>인접리스트 </a:t>
+            </a:r>
+            <a:r>
+              <a:rPr lang="en-US" altLang="ko-KR" sz="1400" dirty="0"/>
+              <a:t>- </a:t>
+            </a:r>
+            <a:r>
+              <a:rPr lang="ko-KR" altLang="en-US" sz="1400" dirty="0"/>
+              <a:t>최단경로 </a:t>
+            </a:r>
+            <a:r>
+              <a:rPr lang="en-US" altLang="ko-KR" sz="1400" dirty="0"/>
+              <a:t>(</a:t>
+            </a:r>
+            <a:r>
+              <a:rPr lang="ko-KR" altLang="en-US" sz="1400" dirty="0" err="1"/>
+              <a:t>다익스트라</a:t>
+            </a:r>
+            <a:r>
+              <a:rPr lang="ko-KR" altLang="en-US" sz="1400" dirty="0"/>
+              <a:t> </a:t>
+            </a:r>
+            <a:r>
+              <a:rPr lang="en-US" altLang="ko-KR" sz="1400" dirty="0"/>
+              <a:t>+ </a:t>
+            </a:r>
+            <a:r>
+              <a:rPr lang="ko-KR" altLang="en-US" sz="1400" dirty="0"/>
+              <a:t>우선순위 큐</a:t>
+            </a:r>
+            <a:r>
+              <a:rPr lang="en-US" altLang="ko-KR" sz="1400" dirty="0"/>
+              <a:t>)</a:t>
+            </a:r>
+          </a:p>
+          <a:p>
+            <a:r>
+              <a:rPr lang="en-US" altLang="ko-KR" sz="1400" dirty="0"/>
+              <a:t>https://www.acmicpc.net/problem/1753 </a:t>
+            </a:r>
+          </a:p>
+          <a:p>
             <a:endParaRPr lang="en-US" altLang="ko-KR" dirty="0"/>
           </a:p>
         </p:txBody>
@@ -3800,8 +3941,8 @@
           </a:p>
         </p:txBody>
       </p:sp>
-      <mc:AlternateContent xmlns:mc="http://schemas.openxmlformats.org/markup-compatibility/2006">
-        <mc:Choice xmlns:a14="http://schemas.microsoft.com/office/drawing/2010/main" Requires="a14">
+      <mc:AlternateContent xmlns:mc="http://schemas.openxmlformats.org/markup-compatibility/2006" xmlns:a14="http://schemas.microsoft.com/office/drawing/2010/main">
+        <mc:Choice Requires="a14">
           <p:sp>
             <p:nvSpPr>
               <p:cNvPr id="22" name="TextBox 21">
@@ -3976,7 +4117,9 @@
                 <a14:m>
                   <m:oMath xmlns:m="http://schemas.openxmlformats.org/officeDocument/2006/math">
                     <m:r>
-                      <a:rPr lang="en-US" altLang="ko-KR" sz="1000" smtClean="0"/>
+                      <a:rPr lang="en-US" altLang="ko-KR" sz="1000" smtClean="0">
+                        <a:latin typeface="Cambria Math" panose="02040503050406030204" pitchFamily="18" charset="0"/>
+                      </a:rPr>
                       <m:t>×</m:t>
                     </m:r>
                     <m:r>
@@ -4004,7 +4147,9 @@
                 <a14:m>
                   <m:oMath xmlns:m="http://schemas.openxmlformats.org/officeDocument/2006/math">
                     <m:r>
-                      <a:rPr lang="ko-KR" altLang="en-US" sz="1000" i="1"/>
+                      <a:rPr lang="ko-KR" altLang="en-US" sz="1000" i="1">
+                        <a:latin typeface="Cambria Math" panose="02040503050406030204" pitchFamily="18" charset="0"/>
+                      </a:rPr>
                       <m:t>𝑉</m:t>
                     </m:r>
                   </m:oMath>
@@ -4016,7 +4161,9 @@
                 <a14:m>
                   <m:oMath xmlns:m="http://schemas.openxmlformats.org/officeDocument/2006/math">
                     <m:r>
-                      <a:rPr lang="ko-KR" altLang="en-US" sz="1000" i="1"/>
+                      <a:rPr lang="ko-KR" altLang="en-US" sz="1000" i="1">
+                        <a:latin typeface="Cambria Math" panose="02040503050406030204" pitchFamily="18" charset="0"/>
+                      </a:rPr>
                       <m:t>𝑉</m:t>
                     </m:r>
                   </m:oMath>
@@ -4087,7 +4234,9 @@
                 <a14:m>
                   <m:oMath xmlns:m="http://schemas.openxmlformats.org/officeDocument/2006/math">
                     <m:r>
-                      <a:rPr lang="ko-KR" altLang="en-US" sz="1000" i="1"/>
+                      <a:rPr lang="ko-KR" altLang="en-US" sz="1000" i="1">
+                        <a:latin typeface="Cambria Math" panose="02040503050406030204" pitchFamily="18" charset="0"/>
+                      </a:rPr>
                       <m:t>𝐸</m:t>
                     </m:r>
                   </m:oMath>
@@ -4289,7 +4438,7 @@
             </p:txBody>
           </p:sp>
         </mc:Choice>
-        <mc:Fallback>
+        <mc:Fallback xmlns="">
           <p:sp>
             <p:nvSpPr>
               <p:cNvPr id="22" name="TextBox 21">
@@ -4381,8 +4530,8 @@
           </a:extLst>
         </p:spPr>
       </p:pic>
-      <mc:AlternateContent xmlns:mc="http://schemas.openxmlformats.org/markup-compatibility/2006">
-        <mc:Choice xmlns:a14="http://schemas.microsoft.com/office/drawing/2010/main" Requires="a14">
+      <mc:AlternateContent xmlns:mc="http://schemas.openxmlformats.org/markup-compatibility/2006" xmlns:a14="http://schemas.microsoft.com/office/drawing/2010/main">
+        <mc:Choice Requires="a14">
           <p:sp>
             <p:nvSpPr>
               <p:cNvPr id="29" name="TextBox 28">
@@ -4490,13 +4639,7 @@
                       <a:rPr lang="en-US" altLang="ko-KR" sz="1200" i="0">
                         <a:latin typeface="Cambria Math" panose="02040503050406030204" pitchFamily="18" charset="0"/>
                       </a:rPr>
-                      <m:t>=</m:t>
-                    </m:r>
-                    <m:r>
-                      <a:rPr lang="en-US" altLang="ko-KR" sz="1200" i="0">
-                        <a:latin typeface="Cambria Math" panose="02040503050406030204" pitchFamily="18" charset="0"/>
-                      </a:rPr>
-                      <m:t>5</m:t>
+                      <m:t>=5</m:t>
                     </m:r>
                   </m:oMath>
                 </a14:m>
@@ -4544,13 +4687,7 @@
                       <a:rPr lang="en-US" altLang="ko-KR" sz="1200" i="0">
                         <a:latin typeface="Cambria Math" panose="02040503050406030204" pitchFamily="18" charset="0"/>
                       </a:rPr>
-                      <m:t>=</m:t>
-                    </m:r>
-                    <m:r>
-                      <a:rPr lang="en-US" altLang="ko-KR" sz="1200" i="0">
-                        <a:latin typeface="Cambria Math" panose="02040503050406030204" pitchFamily="18" charset="0"/>
-                      </a:rPr>
-                      <m:t>25</m:t>
+                      <m:t>=25</m:t>
                     </m:r>
                   </m:oMath>
                 </a14:m>
@@ -5342,7 +5479,7 @@
             </p:txBody>
           </p:sp>
         </mc:Choice>
-        <mc:Fallback>
+        <mc:Fallback xmlns="">
           <p:sp>
             <p:nvSpPr>
               <p:cNvPr id="29" name="TextBox 28">
@@ -6665,8 +6802,8 @@
           </a:p>
         </p:txBody>
       </p:sp>
-      <mc:AlternateContent xmlns:mc="http://schemas.openxmlformats.org/markup-compatibility/2006">
-        <mc:Choice xmlns:a14="http://schemas.microsoft.com/office/drawing/2010/main" Requires="a14">
+      <mc:AlternateContent xmlns:mc="http://schemas.openxmlformats.org/markup-compatibility/2006" xmlns:a14="http://schemas.microsoft.com/office/drawing/2010/main">
+        <mc:Choice Requires="a14">
           <p:sp>
             <p:nvSpPr>
               <p:cNvPr id="4" name="TextBox 3">
@@ -7164,7 +7301,7 @@
             </p:txBody>
           </p:sp>
         </mc:Choice>
-        <mc:Fallback>
+        <mc:Fallback xmlns="">
           <p:sp>
             <p:nvSpPr>
               <p:cNvPr id="4" name="TextBox 3">
@@ -7382,8 +7519,8 @@
           </a:p>
         </p:txBody>
       </p:sp>
-      <mc:AlternateContent xmlns:mc="http://schemas.openxmlformats.org/markup-compatibility/2006">
-        <mc:Choice xmlns:a14="http://schemas.microsoft.com/office/drawing/2010/main" Requires="a14">
+      <mc:AlternateContent xmlns:mc="http://schemas.openxmlformats.org/markup-compatibility/2006" xmlns:a14="http://schemas.microsoft.com/office/drawing/2010/main">
+        <mc:Choice Requires="a14">
           <p:sp>
             <p:nvSpPr>
               <p:cNvPr id="6" name="TextBox 5">
@@ -7998,7 +8135,7 @@
             </p:txBody>
           </p:sp>
         </mc:Choice>
-        <mc:Fallback>
+        <mc:Fallback xmlns="">
           <p:sp>
             <p:nvSpPr>
               <p:cNvPr id="6" name="TextBox 5">
@@ -8153,8 +8290,8 @@
           </a:p>
         </p:txBody>
       </p:sp>
-      <mc:AlternateContent xmlns:mc="http://schemas.openxmlformats.org/markup-compatibility/2006">
-        <mc:Choice xmlns:a14="http://schemas.microsoft.com/office/drawing/2010/main" Requires="a14">
+      <mc:AlternateContent xmlns:mc="http://schemas.openxmlformats.org/markup-compatibility/2006" xmlns:a14="http://schemas.microsoft.com/office/drawing/2010/main">
+        <mc:Choice Requires="a14">
           <p:sp>
             <p:nvSpPr>
               <p:cNvPr id="4" name="TextBox 3">
@@ -8513,7 +8650,7 @@
             </p:txBody>
           </p:sp>
         </mc:Choice>
-        <mc:Fallback>
+        <mc:Fallback xmlns="">
           <p:sp>
             <p:nvSpPr>
               <p:cNvPr id="4" name="TextBox 3">
@@ -10359,8 +10496,8 @@
           </a:p>
         </p:txBody>
       </p:sp>
-      <mc:AlternateContent xmlns:mc="http://schemas.openxmlformats.org/markup-compatibility/2006">
-        <mc:Choice xmlns:a14="http://schemas.microsoft.com/office/drawing/2010/main" Requires="a14">
+      <mc:AlternateContent xmlns:mc="http://schemas.openxmlformats.org/markup-compatibility/2006" xmlns:a14="http://schemas.microsoft.com/office/drawing/2010/main">
+        <mc:Choice Requires="a14">
           <p:sp>
             <p:nvSpPr>
               <p:cNvPr id="9" name="TextBox 8">
@@ -10556,7 +10693,7 @@
             </p:txBody>
           </p:sp>
         </mc:Choice>
-        <mc:Fallback>
+        <mc:Fallback xmlns="">
           <p:sp>
             <p:nvSpPr>
               <p:cNvPr id="9" name="TextBox 8">
@@ -10601,8 +10738,8 @@
           </p:sp>
         </mc:Fallback>
       </mc:AlternateContent>
-      <mc:AlternateContent xmlns:mc="http://schemas.openxmlformats.org/markup-compatibility/2006">
-        <mc:Choice xmlns:a14="http://schemas.microsoft.com/office/drawing/2010/main" Requires="a14">
+      <mc:AlternateContent xmlns:mc="http://schemas.openxmlformats.org/markup-compatibility/2006" xmlns:a14="http://schemas.microsoft.com/office/drawing/2010/main">
+        <mc:Choice Requires="a14">
           <p:sp>
             <p:nvSpPr>
               <p:cNvPr id="11" name="TextBox 10">
@@ -10893,7 +11030,7 @@
             </p:txBody>
           </p:sp>
         </mc:Choice>
-        <mc:Fallback>
+        <mc:Fallback xmlns="">
           <p:sp>
             <p:nvSpPr>
               <p:cNvPr id="11" name="TextBox 10">

--- a/Documents/7 그래프.pptx
+++ b/Documents/7 그래프.pptx
@@ -14,7 +14,8 @@
     <p:sldId id="314" r:id="rId8"/>
     <p:sldId id="315" r:id="rId9"/>
     <p:sldId id="316" r:id="rId10"/>
-    <p:sldId id="265" r:id="rId11"/>
+    <p:sldId id="291" r:id="rId11"/>
+    <p:sldId id="265" r:id="rId12"/>
   </p:sldIdLst>
   <p:sldSz cx="12192000" cy="6858000"/>
   <p:notesSz cx="6858000" cy="9144000"/>
@@ -3405,6 +3406,340 @@
 </file>
 
 <file path=ppt/slides/slide10.xml><?xml version="1.0" encoding="utf-8"?>
+<p:sld xmlns:a="http://schemas.openxmlformats.org/drawingml/2006/main" xmlns:r="http://schemas.openxmlformats.org/officeDocument/2006/relationships" xmlns:p="http://schemas.openxmlformats.org/presentationml/2006/main">
+  <p:cSld>
+    <p:spTree>
+      <p:nvGrpSpPr>
+        <p:cNvPr id="1" name=""/>
+        <p:cNvGrpSpPr/>
+        <p:nvPr/>
+      </p:nvGrpSpPr>
+      <p:grpSpPr>
+        <a:xfrm>
+          <a:off x="0" y="0"/>
+          <a:ext cx="0" cy="0"/>
+          <a:chOff x="0" y="0"/>
+          <a:chExt cx="0" cy="0"/>
+        </a:xfrm>
+      </p:grpSpPr>
+      <p:sp>
+        <p:nvSpPr>
+          <p:cNvPr id="2" name="제목 1">
+            <a:extLst>
+              <a:ext uri="{FF2B5EF4-FFF2-40B4-BE49-F238E27FC236}">
+                <a16:creationId xmlns:a16="http://schemas.microsoft.com/office/drawing/2014/main" id="{74B550A1-29BB-CB8E-BF94-6C8999D42FF4}"/>
+              </a:ext>
+            </a:extLst>
+          </p:cNvPr>
+          <p:cNvSpPr>
+            <a:spLocks noGrp="1"/>
+          </p:cNvSpPr>
+          <p:nvPr>
+            <p:ph type="title"/>
+          </p:nvPr>
+        </p:nvSpPr>
+        <p:spPr/>
+        <p:txBody>
+          <a:bodyPr/>
+          <a:lstStyle/>
+          <a:p>
+            <a:r>
+              <a:rPr lang="ko-KR" altLang="en-US"/>
+              <a:t>탐색 하기</a:t>
+            </a:r>
+            <a:endParaRPr lang="ko-KR" altLang="en-US" dirty="0"/>
+          </a:p>
+        </p:txBody>
+      </p:sp>
+      <p:sp>
+        <p:nvSpPr>
+          <p:cNvPr id="3" name="TextBox 2">
+            <a:extLst>
+              <a:ext uri="{FF2B5EF4-FFF2-40B4-BE49-F238E27FC236}">
+                <a16:creationId xmlns:a16="http://schemas.microsoft.com/office/drawing/2014/main" id="{C15537B1-EA6B-5FD4-8B49-532A00AAFCB3}"/>
+              </a:ext>
+            </a:extLst>
+          </p:cNvPr>
+          <p:cNvSpPr txBox="1"/>
+          <p:nvPr/>
+        </p:nvSpPr>
+        <p:spPr>
+          <a:xfrm>
+            <a:off x="720189" y="1642965"/>
+            <a:ext cx="5061001" cy="369332"/>
+          </a:xfrm>
+          <a:prstGeom prst="rect">
+            <a:avLst/>
+          </a:prstGeom>
+          <a:noFill/>
+        </p:spPr>
+        <p:txBody>
+          <a:bodyPr wrap="none" rtlCol="0">
+            <a:spAutoFit/>
+          </a:bodyPr>
+          <a:lstStyle/>
+          <a:p>
+            <a:r>
+              <a:rPr lang="ko-KR" altLang="en-US" dirty="0"/>
+              <a:t>특정 노드에서 </a:t>
+            </a:r>
+            <a:r>
+              <a:rPr lang="ko-KR" altLang="en-US" dirty="0" err="1"/>
+              <a:t>부터</a:t>
+            </a:r>
+            <a:r>
+              <a:rPr lang="ko-KR" altLang="en-US" dirty="0"/>
+              <a:t> 전체 노드를 방문하는 순서</a:t>
+            </a:r>
+          </a:p>
+        </p:txBody>
+      </p:sp>
+      <p:pic>
+        <p:nvPicPr>
+          <p:cNvPr id="4" name="Picture 2">
+            <a:extLst>
+              <a:ext uri="{FF2B5EF4-FFF2-40B4-BE49-F238E27FC236}">
+                <a16:creationId xmlns:a16="http://schemas.microsoft.com/office/drawing/2014/main" id="{7ACF0C5A-0A6D-BDA1-E83C-B54DCD36F053}"/>
+              </a:ext>
+            </a:extLst>
+          </p:cNvPr>
+          <p:cNvPicPr>
+            <a:picLocks noChangeAspect="1" noChangeArrowheads="1"/>
+          </p:cNvPicPr>
+          <p:nvPr/>
+        </p:nvPicPr>
+        <p:blipFill>
+          <a:blip r:embed="rId2">
+            <a:extLst>
+              <a:ext uri="{28A0092B-C50C-407E-A947-70E740481C1C}">
+                <a14:useLocalDpi xmlns:a14="http://schemas.microsoft.com/office/drawing/2010/main" val="0"/>
+              </a:ext>
+            </a:extLst>
+          </a:blip>
+          <a:srcRect/>
+          <a:stretch>
+            <a:fillRect/>
+          </a:stretch>
+        </p:blipFill>
+        <p:spPr bwMode="auto">
+          <a:xfrm>
+            <a:off x="7467290" y="3468872"/>
+            <a:ext cx="2762250" cy="3333750"/>
+          </a:xfrm>
+          <a:prstGeom prst="rect">
+            <a:avLst/>
+          </a:prstGeom>
+          <a:noFill/>
+          <a:extLst>
+            <a:ext uri="{909E8E84-426E-40DD-AFC4-6F175D3DCCD1}">
+              <a14:hiddenFill xmlns:a14="http://schemas.microsoft.com/office/drawing/2010/main">
+                <a:solidFill>
+                  <a:srgbClr val="FFFFFF"/>
+                </a:solidFill>
+              </a14:hiddenFill>
+            </a:ext>
+          </a:extLst>
+        </p:spPr>
+      </p:pic>
+      <p:sp>
+        <p:nvSpPr>
+          <p:cNvPr id="5" name="TextBox 4">
+            <a:extLst>
+              <a:ext uri="{FF2B5EF4-FFF2-40B4-BE49-F238E27FC236}">
+                <a16:creationId xmlns:a16="http://schemas.microsoft.com/office/drawing/2014/main" id="{F0204371-DD7F-3B83-2E84-CBE81B52A418}"/>
+              </a:ext>
+            </a:extLst>
+          </p:cNvPr>
+          <p:cNvSpPr txBox="1"/>
+          <p:nvPr/>
+        </p:nvSpPr>
+        <p:spPr>
+          <a:xfrm>
+            <a:off x="255736" y="2094253"/>
+            <a:ext cx="5424873" cy="1292662"/>
+          </a:xfrm>
+          <a:prstGeom prst="rect">
+            <a:avLst/>
+          </a:prstGeom>
+          <a:noFill/>
+        </p:spPr>
+        <p:txBody>
+          <a:bodyPr wrap="square" rtlCol="0">
+            <a:spAutoFit/>
+          </a:bodyPr>
+          <a:lstStyle/>
+          <a:p>
+            <a:r>
+              <a:rPr lang="ko-KR" altLang="en-US" dirty="0"/>
+              <a:t>ⓐ 깊이 우선 탐색 </a:t>
+            </a:r>
+            <a:r>
+              <a:rPr lang="en-US" altLang="ko-KR" dirty="0"/>
+              <a:t>(Depth-First Search)</a:t>
+            </a:r>
+          </a:p>
+          <a:p>
+            <a:endParaRPr lang="en-US" altLang="ko-KR" dirty="0"/>
+          </a:p>
+          <a:p>
+            <a:r>
+              <a:rPr lang="ko-KR" altLang="en-US" sz="1400" dirty="0"/>
+              <a:t> 시작 노드를 방문 하고 연결 된 노드 중에 방문하지 않은 곳을 또 다시 방문한다</a:t>
+            </a:r>
+            <a:r>
+              <a:rPr lang="en-US" altLang="ko-KR" sz="1400" dirty="0"/>
+              <a:t>.</a:t>
+            </a:r>
+            <a:r>
+              <a:rPr lang="ko-KR" altLang="en-US" sz="1400" dirty="0"/>
+              <a:t>  더 이상 없으면 마지막 방문한 곳에서 연결되고 방문하지 않은 곳을 찾는다 </a:t>
+            </a:r>
+            <a:r>
+              <a:rPr lang="en-US" altLang="ko-KR" sz="1400" dirty="0"/>
+              <a:t>( </a:t>
+            </a:r>
+            <a:r>
+              <a:rPr lang="ko-KR" altLang="en-US" sz="1400" dirty="0"/>
+              <a:t>스택 </a:t>
+            </a:r>
+            <a:r>
+              <a:rPr lang="en-US" altLang="ko-KR" sz="1400" dirty="0"/>
+              <a:t>or </a:t>
+            </a:r>
+            <a:r>
+              <a:rPr lang="ko-KR" altLang="en-US" sz="1400" dirty="0"/>
+              <a:t>재귀함수 활용 </a:t>
+            </a:r>
+            <a:r>
+              <a:rPr lang="en-US" altLang="ko-KR" sz="1400" dirty="0"/>
+              <a:t>)</a:t>
+            </a:r>
+            <a:r>
+              <a:rPr lang="ko-KR" altLang="en-US" sz="1400" dirty="0"/>
+              <a:t> </a:t>
+            </a:r>
+          </a:p>
+        </p:txBody>
+      </p:sp>
+      <p:sp>
+        <p:nvSpPr>
+          <p:cNvPr id="6" name="TextBox 5">
+            <a:extLst>
+              <a:ext uri="{FF2B5EF4-FFF2-40B4-BE49-F238E27FC236}">
+                <a16:creationId xmlns:a16="http://schemas.microsoft.com/office/drawing/2014/main" id="{17326B23-BAF3-3B86-10B8-5FB29E856CF0}"/>
+              </a:ext>
+            </a:extLst>
+          </p:cNvPr>
+          <p:cNvSpPr txBox="1"/>
+          <p:nvPr/>
+        </p:nvSpPr>
+        <p:spPr>
+          <a:xfrm>
+            <a:off x="6096000" y="2094253"/>
+            <a:ext cx="5899372" cy="1292662"/>
+          </a:xfrm>
+          <a:prstGeom prst="rect">
+            <a:avLst/>
+          </a:prstGeom>
+          <a:noFill/>
+        </p:spPr>
+        <p:txBody>
+          <a:bodyPr wrap="none" rtlCol="0">
+            <a:spAutoFit/>
+          </a:bodyPr>
+          <a:lstStyle/>
+          <a:p>
+            <a:r>
+              <a:rPr lang="ko-KR" altLang="en-US" dirty="0"/>
+              <a:t>ⓑ 너비 우선 탐색 </a:t>
+            </a:r>
+            <a:r>
+              <a:rPr lang="en-US" altLang="ko-KR" dirty="0"/>
+              <a:t>(Breadth-First Search)</a:t>
+            </a:r>
+          </a:p>
+          <a:p>
+            <a:endParaRPr lang="en-US" altLang="ko-KR" dirty="0"/>
+          </a:p>
+          <a:p>
+            <a:r>
+              <a:rPr lang="ko-KR" altLang="en-US" sz="1400" dirty="0"/>
+              <a:t> 시작 노드 기준으로 멀리 떨어진 노드를 나중에 탐색하는 방식</a:t>
+            </a:r>
+            <a:endParaRPr lang="en-US" altLang="ko-KR" sz="1400" dirty="0"/>
+          </a:p>
+          <a:p>
+            <a:r>
+              <a:rPr lang="ko-KR" altLang="en-US" sz="1400" dirty="0"/>
+              <a:t>노드를 방문하고 연결된 인접 노드 중 방문하지 않은 곳을 큐에 넣는다</a:t>
+            </a:r>
+            <a:endParaRPr lang="en-US" altLang="ko-KR" sz="1400" dirty="0"/>
+          </a:p>
+          <a:p>
+            <a:r>
+              <a:rPr lang="ko-KR" altLang="en-US" sz="1400" dirty="0"/>
+              <a:t>이후 큐에서 꺼낸 노드에 방문하여 반복한다</a:t>
+            </a:r>
+            <a:r>
+              <a:rPr lang="en-US" altLang="ko-KR" sz="1400" dirty="0"/>
+              <a:t>. ( </a:t>
+            </a:r>
+            <a:r>
+              <a:rPr lang="ko-KR" altLang="en-US" sz="1400" dirty="0"/>
+              <a:t>큐 활용 </a:t>
+            </a:r>
+            <a:r>
+              <a:rPr lang="en-US" altLang="ko-KR" sz="1400" dirty="0"/>
+              <a:t>)</a:t>
+            </a:r>
+            <a:endParaRPr lang="ko-KR" altLang="en-US" sz="1400" dirty="0"/>
+          </a:p>
+        </p:txBody>
+      </p:sp>
+      <p:pic>
+        <p:nvPicPr>
+          <p:cNvPr id="7" name="그림 6">
+            <a:extLst>
+              <a:ext uri="{FF2B5EF4-FFF2-40B4-BE49-F238E27FC236}">
+                <a16:creationId xmlns:a16="http://schemas.microsoft.com/office/drawing/2014/main" id="{FEC48A4B-5B70-9981-C976-976B8FC6CE27}"/>
+              </a:ext>
+            </a:extLst>
+          </p:cNvPr>
+          <p:cNvPicPr>
+            <a:picLocks noChangeAspect="1"/>
+          </p:cNvPicPr>
+          <p:nvPr/>
+        </p:nvPicPr>
+        <p:blipFill>
+          <a:blip r:embed="rId3"/>
+          <a:stretch>
+            <a:fillRect/>
+          </a:stretch>
+        </p:blipFill>
+        <p:spPr>
+          <a:xfrm>
+            <a:off x="1453785" y="3468872"/>
+            <a:ext cx="2762250" cy="3333750"/>
+          </a:xfrm>
+          <a:prstGeom prst="rect">
+            <a:avLst/>
+          </a:prstGeom>
+        </p:spPr>
+      </p:pic>
+    </p:spTree>
+    <p:extLst>
+      <p:ext uri="{BB962C8B-B14F-4D97-AF65-F5344CB8AC3E}">
+        <p14:creationId xmlns:p14="http://schemas.microsoft.com/office/powerpoint/2010/main" val="106567046"/>
+      </p:ext>
+    </p:extLst>
+  </p:cSld>
+  <p:clrMapOvr>
+    <a:masterClrMapping/>
+  </p:clrMapOvr>
+</p:sld>
+</file>
+
+<file path=ppt/slides/slide11.xml><?xml version="1.0" encoding="utf-8"?>
 <p:sld xmlns:a="http://schemas.openxmlformats.org/drawingml/2006/main" xmlns:r="http://schemas.openxmlformats.org/officeDocument/2006/relationships" xmlns:p="http://schemas.openxmlformats.org/presentationml/2006/main">
   <p:cSld>
     <p:spTree>
